--- a/Software Defect Prediction with Bayesian Approaches_edit.pptx
+++ b/Software Defect Prediction with Bayesian Approaches_edit.pptx
@@ -284,7 +284,7 @@
           <a:p>
             <a:fld id="{11EAACC7-3B3F-47D1-959A-EF58926E955E}" type="datetimeFigureOut">
               <a:rPr lang="en-US" smtClean="0"/>
-              <a:t>10/8/2023</a:t>
+              <a:t>10/15/23</a:t>
             </a:fld>
             <a:endParaRPr lang="en-US"/>
           </a:p>
@@ -482,7 +482,7 @@
           <a:p>
             <a:fld id="{11EAACC7-3B3F-47D1-959A-EF58926E955E}" type="datetimeFigureOut">
               <a:rPr lang="en-US" smtClean="0"/>
-              <a:t>10/8/2023</a:t>
+              <a:t>10/15/23</a:t>
             </a:fld>
             <a:endParaRPr lang="en-US"/>
           </a:p>
@@ -690,7 +690,7 @@
           <a:p>
             <a:fld id="{11EAACC7-3B3F-47D1-959A-EF58926E955E}" type="datetimeFigureOut">
               <a:rPr lang="en-US" smtClean="0"/>
-              <a:t>10/8/2023</a:t>
+              <a:t>10/15/23</a:t>
             </a:fld>
             <a:endParaRPr lang="en-US"/>
           </a:p>
@@ -919,7 +919,7 @@
           <a:p>
             <a:fld id="{11EAACC7-3B3F-47D1-959A-EF58926E955E}" type="datetimeFigureOut">
               <a:rPr lang="en-US" smtClean="0"/>
-              <a:t>10/8/2023</a:t>
+              <a:t>10/15/23</a:t>
             </a:fld>
             <a:endParaRPr lang="en-US" dirty="0"/>
           </a:p>
@@ -1194,7 +1194,7 @@
           <a:p>
             <a:fld id="{11EAACC7-3B3F-47D1-959A-EF58926E955E}" type="datetimeFigureOut">
               <a:rPr lang="en-US" smtClean="0"/>
-              <a:t>10/8/2023</a:t>
+              <a:t>10/15/23</a:t>
             </a:fld>
             <a:endParaRPr lang="en-US"/>
           </a:p>
@@ -1460,7 +1460,7 @@
           <a:p>
             <a:fld id="{11EAACC7-3B3F-47D1-959A-EF58926E955E}" type="datetimeFigureOut">
               <a:rPr lang="en-US" smtClean="0"/>
-              <a:t>10/8/2023</a:t>
+              <a:t>10/15/23</a:t>
             </a:fld>
             <a:endParaRPr lang="en-US"/>
           </a:p>
@@ -1877,7 +1877,7 @@
           <a:p>
             <a:fld id="{11EAACC7-3B3F-47D1-959A-EF58926E955E}" type="datetimeFigureOut">
               <a:rPr lang="en-US" smtClean="0"/>
-              <a:t>10/8/2023</a:t>
+              <a:t>10/15/23</a:t>
             </a:fld>
             <a:endParaRPr lang="en-US"/>
           </a:p>
@@ -2018,7 +2018,7 @@
           <a:p>
             <a:fld id="{11EAACC7-3B3F-47D1-959A-EF58926E955E}" type="datetimeFigureOut">
               <a:rPr lang="en-US" smtClean="0"/>
-              <a:t>10/8/2023</a:t>
+              <a:t>10/15/23</a:t>
             </a:fld>
             <a:endParaRPr lang="en-US"/>
           </a:p>
@@ -2131,7 +2131,7 @@
           <a:p>
             <a:fld id="{11EAACC7-3B3F-47D1-959A-EF58926E955E}" type="datetimeFigureOut">
               <a:rPr lang="en-US" smtClean="0"/>
-              <a:t>10/8/2023</a:t>
+              <a:t>10/15/23</a:t>
             </a:fld>
             <a:endParaRPr lang="en-US"/>
           </a:p>
@@ -2442,7 +2442,7 @@
           <a:p>
             <a:fld id="{11EAACC7-3B3F-47D1-959A-EF58926E955E}" type="datetimeFigureOut">
               <a:rPr lang="en-US" smtClean="0"/>
-              <a:t>10/8/2023</a:t>
+              <a:t>10/15/23</a:t>
             </a:fld>
             <a:endParaRPr lang="en-US"/>
           </a:p>
@@ -2733,7 +2733,7 @@
           <a:p>
             <a:fld id="{11EAACC7-3B3F-47D1-959A-EF58926E955E}" type="datetimeFigureOut">
               <a:rPr lang="en-US" smtClean="0"/>
-              <a:t>10/8/2023</a:t>
+              <a:t>10/15/23</a:t>
             </a:fld>
             <a:endParaRPr lang="en-US"/>
           </a:p>
@@ -3290,7 +3290,7 @@
           <a:p>
             <a:fld id="{11EAACC7-3B3F-47D1-959A-EF58926E955E}" type="datetimeFigureOut">
               <a:rPr lang="en-US" smtClean="0"/>
-              <a:t>10/8/2023</a:t>
+              <a:t>10/15/23</a:t>
             </a:fld>
             <a:endParaRPr lang="en-US"/>
           </a:p>
@@ -4590,7 +4590,7 @@
         </p:spPr>
         <p:txBody>
           <a:bodyPr>
-            <a:normAutofit fontScale="92500" lnSpcReduction="10000"/>
+            <a:normAutofit/>
           </a:bodyPr>
           <a:lstStyle/>
           <a:p>
@@ -4616,7 +4616,7 @@
                 <a:effectLst/>
                 <a:latin typeface="Univers Condensed Light (Body)"/>
               </a:rPr>
-              <a:t>เป็น</a:t>
+              <a:t>เป็น </a:t>
             </a:r>
             <a:r>
               <a:rPr lang="en-US" b="0" i="0" dirty="0">
@@ -4626,7 +4626,7 @@
                 <a:effectLst/>
                 <a:latin typeface="Univers Condensed Light (Body)"/>
               </a:rPr>
-              <a:t> graphical model </a:t>
+              <a:t>Model </a:t>
             </a:r>
             <a:r>
               <a:rPr lang="th-TH" b="0" i="0" dirty="0">
@@ -4636,25 +4636,7 @@
                 <a:effectLst/>
                 <a:latin typeface="Univers Condensed Light (Body)"/>
               </a:rPr>
-              <a:t>ที่แสดงตัวแปร (</a:t>
-            </a:r>
-            <a:r>
-              <a:rPr lang="th-TH" dirty="0">
-                <a:solidFill>
-                  <a:schemeClr val="tx1"/>
-                </a:solidFill>
-                <a:latin typeface="Univers Condensed Light (Body)"/>
-              </a:rPr>
-              <a:t>เรียกว่า </a:t>
-            </a:r>
-            <a:r>
-              <a:rPr lang="en-US" dirty="0">
-                <a:solidFill>
-                  <a:schemeClr val="tx1"/>
-                </a:solidFill>
-                <a:latin typeface="Univers Condensed Light (Body)"/>
-              </a:rPr>
-              <a:t>n</a:t>
+              <a:t>ที่ใช้ </a:t>
             </a:r>
             <a:r>
               <a:rPr lang="en-US" b="0" i="0" dirty="0">
@@ -4664,7 +4646,7 @@
                 <a:effectLst/>
                 <a:latin typeface="Univers Condensed Light (Body)"/>
               </a:rPr>
-              <a:t>ode</a:t>
+              <a:t>Bayesian inference </a:t>
             </a:r>
             <a:r>
               <a:rPr lang="th-TH" b="0" i="0" dirty="0">
@@ -4674,146 +4656,8 @@
                 <a:effectLst/>
                 <a:latin typeface="Univers Condensed Light (Body)"/>
               </a:rPr>
-              <a:t>) ในชุดข้อมูลและความขึ้นต่อกันทางความน่าจะเป็นหรือขึ้นต่อกันเมื่อมีเงื่อนไข (</a:t>
-            </a:r>
-            <a:r>
-              <a:rPr lang="en-US" b="0" i="0" dirty="0">
-                <a:solidFill>
-                  <a:schemeClr val="tx1"/>
-                </a:solidFill>
-                <a:effectLst/>
-                <a:latin typeface="Univers Condensed Light (Body)"/>
-              </a:rPr>
-              <a:t>conditional dependencies) </a:t>
-            </a:r>
-            <a:r>
-              <a:rPr lang="th-TH" b="0" i="0" dirty="0">
-                <a:solidFill>
-                  <a:schemeClr val="tx1"/>
-                </a:solidFill>
-                <a:effectLst/>
-                <a:latin typeface="Univers Condensed Light (Body)"/>
-              </a:rPr>
-              <a:t>ระหว่าง</a:t>
-            </a:r>
-            <a:r>
-              <a:rPr lang="en-US" b="0" i="0" dirty="0">
-                <a:solidFill>
-                  <a:schemeClr val="tx1"/>
-                </a:solidFill>
-                <a:effectLst/>
-                <a:latin typeface="Univers Condensed Light (Body)"/>
-              </a:rPr>
-              <a:t> node</a:t>
-            </a:r>
-            <a:endParaRPr lang="th-TH" b="0" i="0" dirty="0">
-              <a:solidFill>
-                <a:schemeClr val="tx1"/>
-              </a:solidFill>
-              <a:effectLst/>
-              <a:latin typeface="Univers Condensed Light (Body)"/>
-            </a:endParaRPr>
-          </a:p>
-          <a:p>
-            <a:pPr algn="l">
-              <a:buFont typeface="Arial" panose="020B0604020202020204" pitchFamily="34" charset="0"/>
-              <a:buChar char="•"/>
-            </a:pPr>
-            <a:r>
-              <a:rPr lang="en-US" b="0" i="0" dirty="0">
-                <a:solidFill>
-                  <a:schemeClr val="tx1"/>
-                </a:solidFill>
-                <a:effectLst/>
-                <a:latin typeface="Univers Condensed Light (Body)"/>
-              </a:rPr>
-              <a:t>Bayesian Networks </a:t>
-            </a:r>
-            <a:r>
-              <a:rPr lang="th-TH" b="0" i="0" dirty="0">
-                <a:solidFill>
-                  <a:schemeClr val="tx1"/>
-                </a:solidFill>
-                <a:effectLst/>
-                <a:latin typeface="Univers Condensed Light (Body)"/>
-              </a:rPr>
-              <a:t>สามารถแสดงความสัมพันธ์แบบตรงๆ ระหว่าง</a:t>
-            </a:r>
-            <a:r>
-              <a:rPr lang="en-US" b="0" i="0" dirty="0">
-                <a:solidFill>
-                  <a:schemeClr val="tx1"/>
-                </a:solidFill>
-                <a:effectLst/>
-                <a:latin typeface="Univers Condensed Light (Body)"/>
-              </a:rPr>
-              <a:t> node</a:t>
-            </a:r>
-            <a:r>
-              <a:rPr lang="th-TH" b="0" i="0" dirty="0">
-                <a:solidFill>
-                  <a:schemeClr val="tx1"/>
-                </a:solidFill>
-                <a:effectLst/>
-                <a:latin typeface="Univers Condensed Light (Body)"/>
-              </a:rPr>
-              <a:t> (โครงสร้างกราฟ) แต่ไม่จำเป็นต้องแสดงความสัมพันธ์แบบตรงๆ ที่เป็นความสามารถในการแสดงความสัมพันธ์ทางตรงระหว่างสาเหตุและผลสื่อสารในโครงสร้าง</a:t>
-            </a:r>
-            <a:endParaRPr lang="en-US" b="0" i="0" dirty="0">
-              <a:solidFill>
-                <a:schemeClr val="tx1"/>
-              </a:solidFill>
-              <a:effectLst/>
-              <a:latin typeface="Univers Condensed Light (Body)"/>
-            </a:endParaRPr>
-          </a:p>
-          <a:p>
-            <a:r>
-              <a:rPr lang="en-US" b="0" i="0" dirty="0">
-                <a:solidFill>
-                  <a:schemeClr val="tx1"/>
-                </a:solidFill>
-                <a:effectLst/>
-                <a:latin typeface="Univers Condensed Light (Body)"/>
-              </a:rPr>
-              <a:t>Bayesian Networks </a:t>
-            </a:r>
-            <a:r>
-              <a:rPr lang="th-TH" b="0" i="0" dirty="0">
-                <a:solidFill>
-                  <a:schemeClr val="tx1"/>
-                </a:solidFill>
-                <a:effectLst/>
-                <a:latin typeface="Univers Condensed Light (Body)"/>
-              </a:rPr>
-              <a:t>เป็นโมเดลที่ใช้</a:t>
-            </a:r>
-            <a:r>
-              <a:rPr lang="en-US" b="0" i="0" dirty="0">
-                <a:solidFill>
-                  <a:schemeClr val="tx1"/>
-                </a:solidFill>
-                <a:effectLst/>
-                <a:latin typeface="Univers Condensed Light (Body)"/>
-              </a:rPr>
-              <a:t> Bayesian inference </a:t>
-            </a:r>
-            <a:r>
-              <a:rPr lang="th-TH" b="0" i="0" dirty="0">
-                <a:solidFill>
-                  <a:schemeClr val="tx1"/>
-                </a:solidFill>
-                <a:effectLst/>
-                <a:latin typeface="Univers Condensed Light (Body)"/>
-              </a:rPr>
-              <a:t>ในการคำนวณความน่าจะเป็น โดยมุ่งเน้นการแสดงความขึ้นต่อกันแบบเงื่อนไขและสาเหตุผล ผ่านการแสดงความขึ้นต่อกันแบบเงื่อนไขโดยใช้เส้นเชื่อมในกราฟที่เป็นกราฟที่เป็นทิศทาง</a:t>
-            </a:r>
-          </a:p>
-          <a:p>
-            <a:pPr algn="l">
-              <a:buFont typeface="Arial" panose="020B0604020202020204" pitchFamily="34" charset="0"/>
-              <a:buChar char="•"/>
-            </a:pPr>
+              <a:t>ในการคำนวณความน่าจะเป็นแบบมีเงื่อนไขและแสดงเส้นเชื่อมกราฟแบบมีทิศทางในแต่ละเหตุการณ์</a:t>
+            </a:r>
             <a:endParaRPr lang="en-US" b="0" i="0" dirty="0">
               <a:solidFill>
                 <a:schemeClr val="tx1"/>
@@ -4846,7 +4690,7 @@
         </p:blipFill>
         <p:spPr>
           <a:xfrm>
-            <a:off x="4525879" y="4221879"/>
+            <a:off x="4525879" y="3429000"/>
             <a:ext cx="3140242" cy="2407519"/>
           </a:xfrm>
           <a:prstGeom prst="rect">
@@ -5180,7 +5024,7 @@
                 <a:effectLst/>
                 <a:latin typeface="Univers Condensed Light (Body)"/>
               </a:rPr>
-              <a:t>ที่สร้างโครงสร้างของต้นไม้เชื่อมโยงระหว่างตัวแปรที่ต้องการทำนาย ความน่าจะเป็นของตัวแปรเหล่านี้จะถูกคำนวณโดยใช้ </a:t>
+              <a:t>ที่สร้างโครงสร้างแสดงเชื่อมโยงระหว่างตัวแปรที่ต้องการทำนาย ความน่าจะเป็นของตัวแปรเหล่านี้จะถูกคำนวณโดยใช้ </a:t>
             </a:r>
             <a:r>
               <a:rPr lang="en-US" b="0" i="0" dirty="0">
@@ -5209,7 +5053,16 @@
                 </a:solidFill>
                 <a:latin typeface="Univers Condensed Light (Body)"/>
               </a:rPr>
-              <a:t>class variable</a:t>
+              <a:t>class </a:t>
+            </a:r>
+            <a:r>
+              <a:rPr lang="en-US" dirty="0" err="1">
+                <a:solidFill>
+                  <a:schemeClr val="tx1"/>
+                </a:solidFill>
+                <a:latin typeface="Univers Condensed Light (Body)"/>
+              </a:rPr>
+              <a:t>taget</a:t>
             </a:r>
             <a:endParaRPr lang="th-TH" dirty="0">
               <a:solidFill>
@@ -5406,7 +5259,7 @@
                 </a:solidFill>
                 <a:latin typeface="Univers Condensed Light (Body)"/>
               </a:rPr>
-              <a:t>class variable </a:t>
+              <a:t>class target </a:t>
             </a:r>
             <a:endParaRPr lang="th-TH" dirty="0">
               <a:solidFill>
@@ -5574,109 +5427,88 @@
               </a:rPr>
               <a:t>greedy</a:t>
             </a:r>
-            <a:r>
-              <a:rPr lang="th-TH" b="0" i="0" dirty="0">
-                <a:solidFill>
-                  <a:schemeClr val="tx1"/>
-                </a:solidFill>
-                <a:effectLst/>
-                <a:latin typeface="Univers Condensed Light (Body)"/>
-              </a:rPr>
-              <a:t> ซึ่งเป็นการเรียนรู้โครงสร้างแบบดั้งเดิม</a:t>
-            </a:r>
-          </a:p>
-          <a:p>
-            <a:r>
-              <a:rPr lang="en-US" b="0" i="0" dirty="0">
-                <a:solidFill>
-                  <a:schemeClr val="tx1"/>
-                </a:solidFill>
-                <a:effectLst/>
-                <a:latin typeface="Univers Condensed Light (Body)"/>
-              </a:rPr>
-              <a:t>K2 </a:t>
-            </a:r>
-            <a:r>
-              <a:rPr lang="th-TH" b="0" i="0" dirty="0">
-                <a:solidFill>
-                  <a:schemeClr val="tx1"/>
-                </a:solidFill>
-                <a:effectLst/>
-                <a:latin typeface="Univers Condensed Light (Body)"/>
-              </a:rPr>
-              <a:t>ทำให้กระบวนการเรียนรู้โครงสร้างเครือข่ายแบบเบย์เป็นอัตโนมัติ</a:t>
-            </a:r>
-          </a:p>
-          <a:p>
-            <a:r>
-              <a:rPr lang="th-TH" b="0" i="0" dirty="0">
-                <a:solidFill>
-                  <a:schemeClr val="tx1"/>
-                </a:solidFill>
-                <a:effectLst/>
-                <a:latin typeface="Univers Condensed Light (Body)"/>
-              </a:rPr>
-              <a:t>สำหรับแต่ละตัวแปรในปัญหา </a:t>
-            </a:r>
-            <a:r>
-              <a:rPr lang="en-US" b="0" i="0" dirty="0">
-                <a:solidFill>
-                  <a:schemeClr val="tx1"/>
-                </a:solidFill>
-                <a:effectLst/>
-                <a:latin typeface="Univers Condensed Light (Body)"/>
-              </a:rPr>
-              <a:t>Algorithm </a:t>
-            </a:r>
-            <a:r>
-              <a:rPr lang="th-TH" b="0" i="0" dirty="0">
-                <a:solidFill>
-                  <a:schemeClr val="tx1"/>
-                </a:solidFill>
-                <a:effectLst/>
-                <a:latin typeface="Univers Condensed Light (Body)"/>
-              </a:rPr>
-              <a:t>จะเพิ่ม</a:t>
-            </a:r>
-            <a:r>
-              <a:rPr lang="en-US" b="0" i="0" dirty="0">
-                <a:solidFill>
-                  <a:schemeClr val="tx1"/>
-                </a:solidFill>
-                <a:effectLst/>
-                <a:latin typeface="Univers Condensed Light (Body)"/>
-              </a:rPr>
-              <a:t> Node </a:t>
-            </a:r>
-            <a:r>
-              <a:rPr lang="th-TH" b="0" i="0" dirty="0">
-                <a:solidFill>
-                  <a:schemeClr val="tx1"/>
-                </a:solidFill>
-                <a:effectLst/>
-                <a:latin typeface="Univers Condensed Light (Body)"/>
-              </a:rPr>
-              <a:t>ที่มีความน่าจะเป็นต่ำที่สุดใน </a:t>
-            </a:r>
-            <a:r>
-              <a:rPr lang="en-US" b="0" i="0" dirty="0">
-                <a:solidFill>
-                  <a:schemeClr val="tx1"/>
-                </a:solidFill>
-                <a:effectLst/>
-                <a:latin typeface="Univers Condensed Light (Body)"/>
-              </a:rPr>
-              <a:t>parent set </a:t>
-            </a:r>
-            <a:r>
-              <a:rPr lang="th-TH" b="0" i="0" dirty="0">
-                <a:solidFill>
-                  <a:schemeClr val="tx1"/>
-                </a:solidFill>
-                <a:effectLst/>
-                <a:latin typeface="Univers Condensed Light (Body)"/>
-              </a:rPr>
-              <a:t>ซึ่งจะเพิ่มคุณภาพขึ้นสูงสุดตามคุณภาพของการวัดที่เลือกในกระบวนการจัดอันดับ กระบวนการนี้จะทำซ้ำจนกระทั่งคุณภาพไม่เพิ่มขึ้น</a:t>
+          </a:p>
+          <a:p>
+            <a:r>
+              <a:rPr lang="th-TH" dirty="0">
+                <a:solidFill>
+                  <a:schemeClr val="tx1"/>
+                </a:solidFill>
+                <a:latin typeface="Univers Condensed Light (Body)"/>
+              </a:rPr>
+              <a:t>จะเริ่ม </a:t>
+            </a:r>
+            <a:r>
+              <a:rPr lang="en-US" dirty="0">
+                <a:solidFill>
+                  <a:schemeClr val="tx1"/>
+                </a:solidFill>
+                <a:latin typeface="Univers Condensed Light (Body)"/>
+              </a:rPr>
+              <a:t>Node </a:t>
+            </a:r>
+            <a:r>
+              <a:rPr lang="th-TH" dirty="0">
+                <a:solidFill>
+                  <a:schemeClr val="tx1"/>
+                </a:solidFill>
+                <a:latin typeface="Univers Condensed Light (Body)"/>
+              </a:rPr>
+              <a:t>จากตัวแปรที่มีความน่าจะเป็นต่ำสุด กำหนดเป็น </a:t>
+            </a:r>
+            <a:r>
+              <a:rPr lang="en-US" dirty="0">
+                <a:solidFill>
+                  <a:schemeClr val="tx1"/>
+                </a:solidFill>
+                <a:latin typeface="Univers Condensed Light (Body)"/>
+              </a:rPr>
+              <a:t>Node </a:t>
+            </a:r>
+            <a:r>
+              <a:rPr lang="th-TH" dirty="0">
+                <a:solidFill>
+                  <a:schemeClr val="tx1"/>
+                </a:solidFill>
+                <a:latin typeface="Univers Condensed Light (Body)"/>
+              </a:rPr>
+              <a:t>แรก และ </a:t>
+            </a:r>
+            <a:r>
+              <a:rPr lang="en-US" dirty="0">
+                <a:solidFill>
+                  <a:schemeClr val="tx1"/>
+                </a:solidFill>
+                <a:latin typeface="Univers Condensed Light (Body)"/>
+              </a:rPr>
+              <a:t>Node </a:t>
+            </a:r>
+            <a:r>
+              <a:rPr lang="th-TH" dirty="0">
+                <a:solidFill>
+                  <a:schemeClr val="tx1"/>
+                </a:solidFill>
+                <a:latin typeface="Univers Condensed Light (Body)"/>
+              </a:rPr>
+              <a:t>ต่อๆ ไปจะมีความน่าจะเป็นสูงขึ้นตามลำดับ กระบวนการนี้ทำซ้ำจนกว่า </a:t>
+            </a:r>
+            <a:r>
+              <a:rPr lang="en-US" dirty="0">
+                <a:solidFill>
+                  <a:schemeClr val="tx1"/>
+                </a:solidFill>
+                <a:latin typeface="Univers Condensed Light (Body)"/>
+              </a:rPr>
+              <a:t>Performance </a:t>
+            </a:r>
+            <a:r>
+              <a:rPr lang="th-TH" dirty="0">
+                <a:solidFill>
+                  <a:schemeClr val="tx1"/>
+                </a:solidFill>
+                <a:latin typeface="Univers Condensed Light (Body)"/>
+              </a:rPr>
+              <a:t>ไม่เพิ่มขึ้นอีก จึงจะหยุดทำงาน</a:t>
             </a:r>
             <a:endParaRPr lang="en-US" dirty="0">
               <a:solidFill>
@@ -5992,7 +5824,7 @@
         </p:nvSpPr>
         <p:spPr>
           <a:xfrm>
-            <a:off x="7900737" y="4066492"/>
+            <a:off x="8449377" y="4497044"/>
             <a:ext cx="3025941" cy="276999"/>
           </a:xfrm>
           <a:prstGeom prst="rect">
@@ -6054,8 +5886,8 @@
         </p:nvSpPr>
         <p:spPr>
           <a:xfrm>
-            <a:off x="7483642" y="4066492"/>
-            <a:ext cx="417095" cy="276999"/>
+            <a:off x="7101840" y="4343490"/>
+            <a:ext cx="1219200" cy="584109"/>
           </a:xfrm>
           <a:prstGeom prst="rect">
             <a:avLst/>
